--- a/lecture/text_manipulation/text_manipulation_v1.pptx
+++ b/lecture/text_manipulation/text_manipulation_v1.pptx
@@ -225,7 +225,7 @@
           <a:p>
             <a:fld id="{085428F3-B408-4C73-B6CB-14C24F24D2AD}" type="datetimeFigureOut">
               <a:rPr lang="en-US" smtClean="0"/>
-              <a:t>4/15/2019</a:t>
+              <a:t>4/22/2019</a:t>
             </a:fld>
             <a:endParaRPr lang="en-US"/>
           </a:p>
@@ -2526,7 +2526,7 @@
           <a:p>
             <a:fld id="{EA5CD5D7-1376-454F-9D0D-56EF872F8D99}" type="datetimeFigureOut">
               <a:rPr lang="en-US" smtClean="0"/>
-              <a:t>4/15/2019</a:t>
+              <a:t>4/22/2019</a:t>
             </a:fld>
             <a:endParaRPr lang="en-US"/>
           </a:p>
@@ -13135,7 +13135,6 @@
               <a:rPr lang="en-US" dirty="0"/>
               <a:t>String Scalars</a:t>
             </a:r>
-            <a:endParaRPr lang="en-US" dirty="0"/>
           </a:p>
         </p:txBody>
       </p:sp>
@@ -14575,7 +14574,6 @@
               <a:rPr lang="en-US" dirty="0"/>
               <a:t>Groups of strings</a:t>
             </a:r>
-            <a:endParaRPr lang="en-US" dirty="0"/>
           </a:p>
         </p:txBody>
       </p:sp>
